--- a/ppt/IndusAI02-DataScience.pptx
+++ b/ppt/IndusAI02-DataScience.pptx
@@ -5231,16 +5231,16 @@
           <a:p>
             <a:pPr lvl="1"/>
             <a:r>
-              <a:rPr lang="fr-FR" sz="1800" dirty="0"/>
-              <a:t>Matlab, SAS, </a:t>
-            </a:r>
-            <a:r>
-              <a:rPr lang="fr-FR" sz="1800" dirty="0" err="1"/>
+              <a:rPr lang="fr-FR" sz="2000" dirty="0" err="1"/>
               <a:t>PyTorch</a:t>
             </a:r>
-            <a:r>
-              <a:rPr lang="fr-FR" sz="1800" dirty="0"/>
-              <a:t>, R, …</a:t>
+            <a:endParaRPr lang="fr-FR" sz="2000" dirty="0"/>
+          </a:p>
+          <a:p>
+            <a:pPr lvl="2"/>
+            <a:r>
+              <a:rPr lang="fr-FR" sz="1400" dirty="0"/>
+              <a:t>Facebook</a:t>
             </a:r>
           </a:p>
           <a:p>
